--- a/manuals/DSR-ablauf.pptx
+++ b/manuals/DSR-ablauf.pptx
@@ -289,7 +289,7 @@
           <a:p>
             <a:fld id="{9EE41F24-9134-4984-A82A-8EBE8F78BBDC}" type="datetimeFigureOut">
               <a:rPr lang="de-DE" smtClean="0"/>
-              <a:t>14.08.2013</a:t>
+              <a:t>31.03.2014</a:t>
             </a:fld>
             <a:endParaRPr lang="de-DE"/>
           </a:p>
@@ -459,7 +459,7 @@
           <a:p>
             <a:fld id="{9EE41F24-9134-4984-A82A-8EBE8F78BBDC}" type="datetimeFigureOut">
               <a:rPr lang="de-DE" smtClean="0"/>
-              <a:t>14.08.2013</a:t>
+              <a:t>31.03.2014</a:t>
             </a:fld>
             <a:endParaRPr lang="de-DE"/>
           </a:p>
@@ -639,7 +639,7 @@
           <a:p>
             <a:fld id="{9EE41F24-9134-4984-A82A-8EBE8F78BBDC}" type="datetimeFigureOut">
               <a:rPr lang="de-DE" smtClean="0"/>
-              <a:t>14.08.2013</a:t>
+              <a:t>31.03.2014</a:t>
             </a:fld>
             <a:endParaRPr lang="de-DE"/>
           </a:p>
@@ -809,7 +809,7 @@
           <a:p>
             <a:fld id="{9EE41F24-9134-4984-A82A-8EBE8F78BBDC}" type="datetimeFigureOut">
               <a:rPr lang="de-DE" smtClean="0"/>
-              <a:t>14.08.2013</a:t>
+              <a:t>31.03.2014</a:t>
             </a:fld>
             <a:endParaRPr lang="de-DE"/>
           </a:p>
@@ -1055,7 +1055,7 @@
           <a:p>
             <a:fld id="{9EE41F24-9134-4984-A82A-8EBE8F78BBDC}" type="datetimeFigureOut">
               <a:rPr lang="de-DE" smtClean="0"/>
-              <a:t>14.08.2013</a:t>
+              <a:t>31.03.2014</a:t>
             </a:fld>
             <a:endParaRPr lang="de-DE"/>
           </a:p>
@@ -1343,7 +1343,7 @@
           <a:p>
             <a:fld id="{9EE41F24-9134-4984-A82A-8EBE8F78BBDC}" type="datetimeFigureOut">
               <a:rPr lang="de-DE" smtClean="0"/>
-              <a:t>14.08.2013</a:t>
+              <a:t>31.03.2014</a:t>
             </a:fld>
             <a:endParaRPr lang="de-DE"/>
           </a:p>
@@ -1765,7 +1765,7 @@
           <a:p>
             <a:fld id="{9EE41F24-9134-4984-A82A-8EBE8F78BBDC}" type="datetimeFigureOut">
               <a:rPr lang="de-DE" smtClean="0"/>
-              <a:t>14.08.2013</a:t>
+              <a:t>31.03.2014</a:t>
             </a:fld>
             <a:endParaRPr lang="de-DE"/>
           </a:p>
@@ -1883,7 +1883,7 @@
           <a:p>
             <a:fld id="{9EE41F24-9134-4984-A82A-8EBE8F78BBDC}" type="datetimeFigureOut">
               <a:rPr lang="de-DE" smtClean="0"/>
-              <a:t>14.08.2013</a:t>
+              <a:t>31.03.2014</a:t>
             </a:fld>
             <a:endParaRPr lang="de-DE"/>
           </a:p>
@@ -1978,7 +1978,7 @@
           <a:p>
             <a:fld id="{9EE41F24-9134-4984-A82A-8EBE8F78BBDC}" type="datetimeFigureOut">
               <a:rPr lang="de-DE" smtClean="0"/>
-              <a:t>14.08.2013</a:t>
+              <a:t>31.03.2014</a:t>
             </a:fld>
             <a:endParaRPr lang="de-DE"/>
           </a:p>
@@ -2255,7 +2255,7 @@
           <a:p>
             <a:fld id="{9EE41F24-9134-4984-A82A-8EBE8F78BBDC}" type="datetimeFigureOut">
               <a:rPr lang="de-DE" smtClean="0"/>
-              <a:t>14.08.2013</a:t>
+              <a:t>31.03.2014</a:t>
             </a:fld>
             <a:endParaRPr lang="de-DE"/>
           </a:p>
@@ -2508,7 +2508,7 @@
           <a:p>
             <a:fld id="{9EE41F24-9134-4984-A82A-8EBE8F78BBDC}" type="datetimeFigureOut">
               <a:rPr lang="de-DE" smtClean="0"/>
-              <a:t>14.08.2013</a:t>
+              <a:t>31.03.2014</a:t>
             </a:fld>
             <a:endParaRPr lang="de-DE"/>
           </a:p>
@@ -2721,7 +2721,7 @@
           <a:p>
             <a:fld id="{9EE41F24-9134-4984-A82A-8EBE8F78BBDC}" type="datetimeFigureOut">
               <a:rPr lang="de-DE" smtClean="0"/>
-              <a:t>14.08.2013</a:t>
+              <a:t>31.03.2014</a:t>
             </a:fld>
             <a:endParaRPr lang="de-DE"/>
           </a:p>
@@ -3923,8 +3923,8 @@
         </p:nvSpPr>
         <p:spPr>
           <a:xfrm>
-            <a:off x="7452320" y="2081891"/>
-            <a:ext cx="432048" cy="411005"/>
+            <a:off x="7452320" y="2060849"/>
+            <a:ext cx="612068" cy="432048"/>
           </a:xfrm>
           <a:prstGeom prst="can">
             <a:avLst/>
@@ -3964,7 +3964,19 @@
           <a:lstStyle/>
           <a:p>
             <a:pPr algn="ctr"/>
-            <a:endParaRPr lang="de-DE"/>
+            <a:r>
+              <a:rPr lang="de-DE" sz="700" dirty="0" smtClean="0">
+                <a:solidFill>
+                  <a:schemeClr val="tx1"/>
+                </a:solidFill>
+              </a:rPr>
+              <a:t>Database</a:t>
+            </a:r>
+            <a:endParaRPr lang="de-DE" sz="700" dirty="0">
+              <a:solidFill>
+                <a:schemeClr val="tx1"/>
+              </a:solidFill>
+            </a:endParaRPr>
           </a:p>
         </p:txBody>
       </p:sp>
@@ -4015,7 +4027,7 @@
         <p:spPr>
           <a:xfrm>
             <a:off x="6588224" y="2276872"/>
-            <a:ext cx="864096" cy="10522"/>
+            <a:ext cx="864096" cy="1"/>
           </a:xfrm>
           <a:prstGeom prst="straightConnector1">
             <a:avLst/>
